--- a/meetings/2016-09-29/sep/OpenC2 Schema.pptx
+++ b/meetings/2016-09-29/sep/OpenC2 Schema.pptx
@@ -127,7 +127,7 @@
   </p:defaultTextStyle>
   <p:extLst>
     <p:ext uri="{EFAFB233-063F-42B5-8137-9DF3F51BA10A}">
-      <p15:sldGuideLst xmlns:p15="http://schemas.microsoft.com/office/powerpoint/2012/main">
+      <p15:sldGuideLst xmlns="" xmlns:p15="http://schemas.microsoft.com/office/powerpoint/2012/main">
         <p15:guide id="1" orient="horz" pos="2160">
           <p15:clr>
             <a:srgbClr val="A4A3A4"/>
@@ -233,7 +233,7 @@
             <a:fld id="{BEA7D905-4A79-4EB8-82BB-49D7A73CDC36}" type="datetimeFigureOut">
               <a:rPr lang="en-US" smtClean="0"/>
               <a:pPr/>
-              <a:t>9/27/2016</a:t>
+              <a:t>9/30/2016</a:t>
             </a:fld>
             <a:endParaRPr lang="en-US" dirty="0"/>
           </a:p>
@@ -1214,7 +1214,7 @@
             <a:pPr algn="ctr" eaLnBrk="1" latinLnBrk="0" hangingPunct="1"/>
             <a:fld id="{BB43FE8B-308F-4382-9655-46B1789E94EF}" type="datetime1">
               <a:rPr lang="en-US" smtClean="0"/>
-              <a:t>9/27/2016</a:t>
+              <a:t>9/30/2016</a:t>
             </a:fld>
             <a:endParaRPr lang="en-US" sz="2000" dirty="0">
               <a:solidFill>
@@ -1420,7 +1420,7 @@
             <a:pPr eaLnBrk="1" latinLnBrk="0" hangingPunct="1"/>
             <a:fld id="{61D71F59-622D-49DD-A407-F9C971171EED}" type="datetime1">
               <a:rPr lang="en-US" smtClean="0"/>
-              <a:t>9/27/2016</a:t>
+              <a:t>9/30/2016</a:t>
             </a:fld>
             <a:endParaRPr lang="en-US" dirty="0"/>
           </a:p>
@@ -1602,7 +1602,7 @@
             <a:pPr eaLnBrk="1" latinLnBrk="0" hangingPunct="1"/>
             <a:fld id="{D732FB50-16D0-471D-8C85-B8A6C1DE6B65}" type="datetime1">
               <a:rPr lang="en-US" smtClean="0"/>
-              <a:t>9/27/2016</a:t>
+              <a:t>9/30/2016</a:t>
             </a:fld>
             <a:endParaRPr lang="en-US" dirty="0"/>
           </a:p>
@@ -1875,7 +1875,7 @@
             <a:pPr eaLnBrk="1" latinLnBrk="0" hangingPunct="1"/>
             <a:fld id="{466872B2-7238-4135-B3D9-97A1357E2E20}" type="datetime1">
               <a:rPr lang="en-US" smtClean="0"/>
-              <a:t>9/27/2016</a:t>
+              <a:t>9/30/2016</a:t>
             </a:fld>
             <a:endParaRPr lang="en-US" dirty="0"/>
           </a:p>
@@ -2318,7 +2318,7 @@
             <a:pPr eaLnBrk="1" latinLnBrk="0" hangingPunct="1"/>
             <a:fld id="{49DE1B7C-1FDD-42FD-9A06-6AC00313877F}" type="datetime1">
               <a:rPr lang="en-US" smtClean="0"/>
-              <a:t>9/27/2016</a:t>
+              <a:t>9/30/2016</a:t>
             </a:fld>
             <a:endParaRPr lang="en-US" dirty="0"/>
           </a:p>
@@ -2567,7 +2567,7 @@
             <a:pPr eaLnBrk="1" latinLnBrk="0" hangingPunct="1"/>
             <a:fld id="{537DA086-46E6-41E7-A73A-2CEE4966C500}" type="datetime1">
               <a:rPr lang="en-US" smtClean="0"/>
-              <a:t>9/27/2016</a:t>
+              <a:t>9/30/2016</a:t>
             </a:fld>
             <a:endParaRPr lang="en-US" dirty="0"/>
           </a:p>
@@ -2806,7 +2806,7 @@
             <a:pPr eaLnBrk="1" latinLnBrk="0" hangingPunct="1"/>
             <a:fld id="{3E9231E7-997A-412D-84DC-9B00410FEBC3}" type="datetime1">
               <a:rPr lang="en-US" smtClean="0"/>
-              <a:t>9/27/2016</a:t>
+              <a:t>9/30/2016</a:t>
             </a:fld>
             <a:endParaRPr lang="en-US" dirty="0"/>
           </a:p>
@@ -3004,7 +3004,7 @@
             <a:pPr eaLnBrk="1" latinLnBrk="0" hangingPunct="1"/>
             <a:fld id="{0FCB485A-B0BE-4563-90F2-538DF71CFB72}" type="datetime1">
               <a:rPr lang="en-US" smtClean="0"/>
-              <a:t>9/27/2016</a:t>
+              <a:t>9/30/2016</a:t>
             </a:fld>
             <a:endParaRPr lang="en-US" dirty="0"/>
           </a:p>
@@ -3108,7 +3108,7 @@
             <a:pPr eaLnBrk="1" latinLnBrk="0" hangingPunct="1"/>
             <a:fld id="{7673D3E5-681E-495A-9A20-B77690DC2AC4}" type="datetime1">
               <a:rPr lang="en-US" smtClean="0"/>
-              <a:t>9/27/2016</a:t>
+              <a:t>9/30/2016</a:t>
             </a:fld>
             <a:endParaRPr lang="en-US" dirty="0"/>
           </a:p>
@@ -3250,7 +3250,7 @@
             <a:pPr eaLnBrk="1" latinLnBrk="0" hangingPunct="1"/>
             <a:fld id="{36ADC30D-043F-4BA3-9E5F-DC13212B92AB}" type="datetime1">
               <a:rPr lang="en-US" smtClean="0"/>
-              <a:t>9/27/2016</a:t>
+              <a:t>9/30/2016</a:t>
             </a:fld>
             <a:endParaRPr lang="en-US" dirty="0"/>
           </a:p>
@@ -3769,7 +3769,7 @@
             <a:pPr eaLnBrk="1" latinLnBrk="0" hangingPunct="1"/>
             <a:fld id="{2A59F7D6-4F9A-47A6-ADCC-8BE2C05F1F8B}" type="datetime1">
               <a:rPr lang="en-US" smtClean="0"/>
-              <a:t>9/27/2016</a:t>
+              <a:t>9/30/2016</a:t>
             </a:fld>
             <a:endParaRPr lang="en-US" dirty="0"/>
           </a:p>
@@ -4033,7 +4033,7 @@
             <a:pPr eaLnBrk="1" latinLnBrk="0" hangingPunct="1"/>
             <a:fld id="{16C4A91E-8137-4654-B5C3-88E0D304AEC4}" type="datetime1">
               <a:rPr lang="en-US" smtClean="0"/>
-              <a:t>9/27/2016</a:t>
+              <a:t>9/30/2016</a:t>
             </a:fld>
             <a:endParaRPr lang="en-US" sz="1400" dirty="0">
               <a:solidFill>
@@ -4988,12 +4988,14 @@
         </p:nvSpPr>
         <p:spPr/>
         <p:txBody>
-          <a:bodyPr/>
+          <a:bodyPr>
+            <a:normAutofit fontScale="90000"/>
+          </a:bodyPr>
           <a:lstStyle/>
           <a:p>
             <a:r>
               <a:rPr lang="en-US" dirty="0" smtClean="0"/>
-              <a:t>JSON Abstract Syntax Notation (JASN)</a:t>
+              <a:t>JSON Abstract Encoding Notation (JAEN)</a:t>
             </a:r>
             <a:endParaRPr lang="en-US" dirty="0"/>
           </a:p>
@@ -5079,7 +5081,7 @@
         <p:spPr>
           <a:xfrm>
             <a:off x="4267200" y="3124200"/>
-            <a:ext cx="3733800" cy="2590800"/>
+            <a:ext cx="4114800" cy="2590800"/>
           </a:xfrm>
           <a:prstGeom prst="rect">
             <a:avLst/>
@@ -5243,17 +5245,23 @@
                   <a:schemeClr val="tx1"/>
                 </a:solidFill>
               </a:rPr>
-              <a:t>    ["OpenC2Command", "Record", "", [</a:t>
-            </a:r>
-          </a:p>
-          <a:p>
+              <a:t>    ["OpenC2Command", "Record</a:t>
+            </a:r>
+            <a:r>
+              <a:rPr lang="en-US" sz="1200" dirty="0" smtClean="0">
+                <a:solidFill>
+                  <a:schemeClr val="tx1"/>
+                </a:solidFill>
+              </a:rPr>
+              <a:t>", [], </a:t>
+            </a:r>
             <a:r>
               <a:rPr lang="en-US" sz="1200" dirty="0">
                 <a:solidFill>
                   <a:schemeClr val="tx1"/>
                 </a:solidFill>
               </a:rPr>
-              <a:t>      [1, "action", "Action", ""],</a:t>
+              <a:t>"", [</a:t>
             </a:r>
           </a:p>
           <a:p>
@@ -5263,8 +5271,21 @@
                   <a:schemeClr val="tx1"/>
                 </a:solidFill>
               </a:rPr>
-              <a:t>      [2, "target", "Target", ""],</a:t>
-            </a:r>
+              <a:t>      [1, "action", "Action", </a:t>
+            </a:r>
+            <a:r>
+              <a:rPr lang="en-US" sz="1200" dirty="0" smtClean="0">
+                <a:solidFill>
+                  <a:schemeClr val="tx1"/>
+                </a:solidFill>
+              </a:rPr>
+              <a:t>[], ""],</a:t>
+            </a:r>
+            <a:endParaRPr lang="en-US" sz="1200" dirty="0">
+              <a:solidFill>
+                <a:schemeClr val="tx1"/>
+              </a:solidFill>
+            </a:endParaRPr>
           </a:p>
           <a:p>
             <a:r>
@@ -5273,8 +5294,21 @@
                   <a:schemeClr val="tx1"/>
                 </a:solidFill>
               </a:rPr>
-              <a:t>      [3, "actuator", "Actuator", "?"],</a:t>
-            </a:r>
+              <a:t>      [2, "target", "Target", </a:t>
+            </a:r>
+            <a:r>
+              <a:rPr lang="en-US" sz="1200" dirty="0" smtClean="0">
+                <a:solidFill>
+                  <a:schemeClr val="tx1"/>
+                </a:solidFill>
+              </a:rPr>
+              <a:t>[], ""],</a:t>
+            </a:r>
+            <a:endParaRPr lang="en-US" sz="1200" dirty="0">
+              <a:solidFill>
+                <a:schemeClr val="tx1"/>
+              </a:solidFill>
+            </a:endParaRPr>
           </a:p>
           <a:p>
             <a:r>
@@ -5283,7 +5317,46 @@
                   <a:schemeClr val="tx1"/>
                 </a:solidFill>
               </a:rPr>
-              <a:t>      [4, "modifiers", "Modifiers", "?"]</a:t>
+              <a:t>      [3, "actuator", "Actuator", </a:t>
+            </a:r>
+            <a:r>
+              <a:rPr lang="en-US" sz="1200" dirty="0" smtClean="0">
+                <a:solidFill>
+                  <a:schemeClr val="tx1"/>
+                </a:solidFill>
+              </a:rPr>
+              <a:t>["?"], </a:t>
+            </a:r>
+            <a:r>
+              <a:rPr lang="en-US" sz="1200" dirty="0">
+                <a:solidFill>
+                  <a:schemeClr val="tx1"/>
+                </a:solidFill>
+              </a:rPr>
+              <a:t>""]</a:t>
+            </a:r>
+            <a:r>
+              <a:rPr lang="en-US" sz="1200" dirty="0" smtClean="0">
+                <a:solidFill>
+                  <a:schemeClr val="tx1"/>
+                </a:solidFill>
+              </a:rPr>
+              <a:t>,</a:t>
+            </a:r>
+            <a:endParaRPr lang="en-US" sz="1200" dirty="0">
+              <a:solidFill>
+                <a:schemeClr val="tx1"/>
+              </a:solidFill>
+            </a:endParaRPr>
+          </a:p>
+          <a:p>
+            <a:r>
+              <a:rPr lang="en-US" sz="1200" dirty="0">
+                <a:solidFill>
+                  <a:schemeClr val="tx1"/>
+                </a:solidFill>
+              </a:rPr>
+              <a:t>      [4, "modifiers", "Modifiers", ["?"], ""]</a:t>
             </a:r>
           </a:p>
           <a:p>
@@ -5327,7 +5400,7 @@
         <p:spPr>
           <a:xfrm>
             <a:off x="647700" y="3113544"/>
-            <a:ext cx="2628900" cy="2677656"/>
+            <a:ext cx="2628900" cy="2893100"/>
           </a:xfrm>
           <a:prstGeom prst="rect">
             <a:avLst/>
@@ -5471,8 +5544,19 @@
                 <a:latin typeface="Calibri" panose="020F0502020204030204" pitchFamily="34" charset="0"/>
                 <a:cs typeface="Calibri" panose="020F0502020204030204" pitchFamily="34" charset="0"/>
               </a:rPr>
-              <a:t>ype, options</a:t>
-            </a:r>
+              <a:t>ype, opts, </a:t>
+            </a:r>
+            <a:r>
+              <a:rPr lang="en-US" sz="1400" dirty="0" err="1" smtClean="0">
+                <a:latin typeface="Calibri" panose="020F0502020204030204" pitchFamily="34" charset="0"/>
+                <a:cs typeface="Calibri" panose="020F0502020204030204" pitchFamily="34" charset="0"/>
+              </a:rPr>
+              <a:t>desc</a:t>
+            </a:r>
+            <a:endParaRPr lang="en-US" sz="1400" dirty="0" smtClean="0">
+              <a:latin typeface="Calibri" panose="020F0502020204030204" pitchFamily="34" charset="0"/>
+              <a:cs typeface="Calibri" panose="020F0502020204030204" pitchFamily="34" charset="0"/>
+            </a:endParaRPr>
           </a:p>
           <a:p>
             <a:endParaRPr lang="en-US" sz="1400" dirty="0">
@@ -5562,6 +5646,22 @@
                 <a:cs typeface="Calibri" panose="020F0502020204030204" pitchFamily="34" charset="0"/>
               </a:rPr>
               <a:t>- options</a:t>
+            </a:r>
+          </a:p>
+          <a:p>
+            <a:r>
+              <a:rPr lang="en-US" sz="1400" dirty="0">
+                <a:latin typeface="Calibri" panose="020F0502020204030204" pitchFamily="34" charset="0"/>
+                <a:cs typeface="Calibri" panose="020F0502020204030204" pitchFamily="34" charset="0"/>
+              </a:rPr>
+              <a:t> </a:t>
+            </a:r>
+            <a:r>
+              <a:rPr lang="en-US" sz="1400" dirty="0" smtClean="0">
+                <a:latin typeface="Calibri" panose="020F0502020204030204" pitchFamily="34" charset="0"/>
+                <a:cs typeface="Calibri" panose="020F0502020204030204" pitchFamily="34" charset="0"/>
+              </a:rPr>
+              <a:t>- description</a:t>
             </a:r>
             <a:endParaRPr lang="en-US" sz="1400" dirty="0">
               <a:latin typeface="Calibri" panose="020F0502020204030204" pitchFamily="34" charset="0"/>
@@ -5644,8 +5744,8 @@
         </p:nvCxnSpPr>
         <p:spPr>
           <a:xfrm flipV="1">
-            <a:off x="3048000" y="4267199"/>
-            <a:ext cx="1447800" cy="76202"/>
+            <a:off x="3276600" y="4267199"/>
+            <a:ext cx="1219200" cy="76201"/>
           </a:xfrm>
           <a:prstGeom prst="straightConnector1">
             <a:avLst/>
@@ -6957,301 +7057,381 @@
           </a:p>
         </p:txBody>
       </p:sp>
-      <p:sp>
-        <p:nvSpPr>
-          <p:cNvPr id="56" name="Folded Corner 55"/>
-          <p:cNvSpPr/>
+      <p:grpSp>
+        <p:nvGrpSpPr>
+          <p:cNvPr id="4" name="Group 3"/>
+          <p:cNvGrpSpPr/>
           <p:nvPr/>
-        </p:nvSpPr>
-        <p:spPr>
-          <a:xfrm rot="10800000">
-            <a:off x="932056" y="1828800"/>
-            <a:ext cx="1791302" cy="1371600"/>
+        </p:nvGrpSpPr>
+        <p:grpSpPr>
+          <a:xfrm>
+            <a:off x="838200" y="1650100"/>
+            <a:ext cx="1885158" cy="1550300"/>
+            <a:chOff x="838200" y="1650100"/>
+            <a:chExt cx="1885158" cy="1550300"/>
           </a:xfrm>
-          <a:prstGeom prst="foldedCorner">
-            <a:avLst>
-              <a:gd name="adj" fmla="val 9888"/>
-            </a:avLst>
-          </a:prstGeom>
-          <a:solidFill>
-            <a:schemeClr val="accent6">
-              <a:lumMod val="20000"/>
-              <a:lumOff val="80000"/>
-            </a:schemeClr>
-          </a:solidFill>
-          <a:ln w="12700"/>
-        </p:spPr>
-        <p:style>
-          <a:lnRef idx="2">
-            <a:schemeClr val="accent1">
-              <a:shade val="50000"/>
-            </a:schemeClr>
-          </a:lnRef>
-          <a:fillRef idx="1">
-            <a:schemeClr val="accent1"/>
-          </a:fillRef>
-          <a:effectRef idx="0">
-            <a:schemeClr val="accent1"/>
-          </a:effectRef>
-          <a:fontRef idx="minor">
-            <a:schemeClr val="lt1"/>
-          </a:fontRef>
-        </p:style>
-        <p:txBody>
-          <a:bodyPr rtlCol="0" anchor="ctr"/>
-          <a:lstStyle/>
-          <a:p>
-            <a:endParaRPr lang="en-US" sz="800" dirty="0">
-              <a:solidFill>
-                <a:schemeClr val="tx1"/>
-              </a:solidFill>
-              <a:latin typeface="Consolas" panose="020B0609020204030204" pitchFamily="49" charset="0"/>
-              <a:cs typeface="Consolas" panose="020B0609020204030204" pitchFamily="49" charset="0"/>
-            </a:endParaRPr>
-          </a:p>
-        </p:txBody>
-      </p:sp>
-      <p:sp>
-        <p:nvSpPr>
-          <p:cNvPr id="33" name="TextBox 32"/>
-          <p:cNvSpPr txBox="1"/>
-          <p:nvPr/>
-        </p:nvSpPr>
-        <p:spPr>
-          <a:xfrm>
-            <a:off x="884842" y="1943100"/>
-            <a:ext cx="1838516" cy="1257300"/>
-          </a:xfrm>
-          <a:prstGeom prst="rect">
-            <a:avLst/>
-          </a:prstGeom>
-          <a:noFill/>
-          <a:ln w="12700">
+        </p:grpSpPr>
+        <p:sp>
+          <p:nvSpPr>
+            <p:cNvPr id="56" name="Folded Corner 55"/>
+            <p:cNvSpPr/>
+            <p:nvPr/>
+          </p:nvSpPr>
+          <p:spPr>
+            <a:xfrm rot="10800000">
+              <a:off x="857430" y="1650100"/>
+              <a:ext cx="1865928" cy="1550300"/>
+            </a:xfrm>
+            <a:prstGeom prst="foldedCorner">
+              <a:avLst>
+                <a:gd name="adj" fmla="val 9888"/>
+              </a:avLst>
+            </a:prstGeom>
+            <a:solidFill>
+              <a:schemeClr val="accent6">
+                <a:lumMod val="20000"/>
+                <a:lumOff val="80000"/>
+              </a:schemeClr>
+            </a:solidFill>
+            <a:ln w="12700"/>
+          </p:spPr>
+          <p:style>
+            <a:lnRef idx="2">
+              <a:schemeClr val="accent1">
+                <a:shade val="50000"/>
+              </a:schemeClr>
+            </a:lnRef>
+            <a:fillRef idx="1">
+              <a:schemeClr val="accent1"/>
+            </a:fillRef>
+            <a:effectRef idx="0">
+              <a:schemeClr val="accent1"/>
+            </a:effectRef>
+            <a:fontRef idx="minor">
+              <a:schemeClr val="lt1"/>
+            </a:fontRef>
+          </p:style>
+          <p:txBody>
+            <a:bodyPr rtlCol="0" anchor="ctr"/>
+            <a:lstStyle/>
+            <a:p>
+              <a:endParaRPr lang="en-US" sz="800" dirty="0">
+                <a:solidFill>
+                  <a:schemeClr val="tx1"/>
+                </a:solidFill>
+                <a:latin typeface="Consolas" panose="020B0609020204030204" pitchFamily="49" charset="0"/>
+                <a:cs typeface="Consolas" panose="020B0609020204030204" pitchFamily="49" charset="0"/>
+              </a:endParaRPr>
+            </a:p>
+          </p:txBody>
+        </p:sp>
+        <p:sp>
+          <p:nvSpPr>
+            <p:cNvPr id="33" name="TextBox 32"/>
+            <p:cNvSpPr txBox="1"/>
+            <p:nvPr/>
+          </p:nvSpPr>
+          <p:spPr>
+            <a:xfrm>
+              <a:off x="838200" y="1702700"/>
+              <a:ext cx="1862930" cy="1497700"/>
+            </a:xfrm>
+            <a:prstGeom prst="rect">
+              <a:avLst/>
+            </a:prstGeom>
             <a:noFill/>
-          </a:ln>
-        </p:spPr>
-        <p:style>
-          <a:lnRef idx="2">
-            <a:schemeClr val="accent1">
-              <a:shade val="50000"/>
-            </a:schemeClr>
-          </a:lnRef>
-          <a:fillRef idx="1">
-            <a:schemeClr val="accent1"/>
-          </a:fillRef>
-          <a:effectRef idx="0">
-            <a:schemeClr val="accent1"/>
-          </a:effectRef>
-          <a:fontRef idx="minor">
-            <a:schemeClr val="lt1"/>
-          </a:fontRef>
-        </p:style>
-        <p:txBody>
-          <a:bodyPr rot="0" spcFirstLastPara="0" vertOverflow="overflow" horzOverflow="overflow" vert="horz" wrap="square" lIns="91440" tIns="45720" rIns="91440" bIns="45720" numCol="1" spcCol="0" rtlCol="0" fromWordArt="0" anchor="ctr" anchorCtr="0" forceAA="0" compatLnSpc="1">
-            <a:prstTxWarp prst="textNoShape">
-              <a:avLst/>
-            </a:prstTxWarp>
-            <a:noAutofit/>
-          </a:bodyPr>
-          <a:lstStyle>
-            <a:defPPr>
-              <a:defRPr lang="en-US"/>
-            </a:defPPr>
-            <a:lvl1pPr>
-              <a:defRPr sz="800">
-                <a:latin typeface="Consolas" panose="020B0609020204030204" pitchFamily="49" charset="0"/>
-                <a:cs typeface="Consolas" panose="020B0609020204030204" pitchFamily="49" charset="0"/>
-              </a:defRPr>
-            </a:lvl1pPr>
-            <a:lvl2pPr>
-              <a:defRPr>
-                <a:solidFill>
-                  <a:schemeClr val="lt1"/>
-                </a:solidFill>
-              </a:defRPr>
-            </a:lvl2pPr>
-            <a:lvl3pPr>
-              <a:defRPr>
-                <a:solidFill>
-                  <a:schemeClr val="lt1"/>
-                </a:solidFill>
-              </a:defRPr>
-            </a:lvl3pPr>
-            <a:lvl4pPr>
-              <a:defRPr>
-                <a:solidFill>
-                  <a:schemeClr val="lt1"/>
-                </a:solidFill>
-              </a:defRPr>
-            </a:lvl4pPr>
-            <a:lvl5pPr>
-              <a:defRPr>
-                <a:solidFill>
-                  <a:schemeClr val="lt1"/>
-                </a:solidFill>
-              </a:defRPr>
-            </a:lvl5pPr>
-            <a:lvl6pPr>
-              <a:defRPr>
-                <a:solidFill>
-                  <a:schemeClr val="lt1"/>
-                </a:solidFill>
-              </a:defRPr>
-            </a:lvl6pPr>
-            <a:lvl7pPr>
-              <a:defRPr>
-                <a:solidFill>
-                  <a:schemeClr val="lt1"/>
-                </a:solidFill>
-              </a:defRPr>
-            </a:lvl7pPr>
-            <a:lvl8pPr>
-              <a:defRPr>
-                <a:solidFill>
-                  <a:schemeClr val="lt1"/>
-                </a:solidFill>
-              </a:defRPr>
-            </a:lvl8pPr>
-            <a:lvl9pPr>
-              <a:defRPr>
-                <a:solidFill>
-                  <a:schemeClr val="lt1"/>
-                </a:solidFill>
-              </a:defRPr>
-            </a:lvl9pPr>
-          </a:lstStyle>
-          <a:p>
-            <a:r>
-              <a:rPr lang="en-US" sz="600" dirty="0">
+            <a:ln w="12700">
+              <a:noFill/>
+            </a:ln>
+          </p:spPr>
+          <p:style>
+            <a:lnRef idx="2">
+              <a:schemeClr val="accent1">
+                <a:shade val="50000"/>
+              </a:schemeClr>
+            </a:lnRef>
+            <a:fillRef idx="1">
+              <a:schemeClr val="accent1"/>
+            </a:fillRef>
+            <a:effectRef idx="0">
+              <a:schemeClr val="accent1"/>
+            </a:effectRef>
+            <a:fontRef idx="minor">
+              <a:schemeClr val="lt1"/>
+            </a:fontRef>
+          </p:style>
+          <p:txBody>
+            <a:bodyPr rot="0" spcFirstLastPara="0" vertOverflow="overflow" horzOverflow="overflow" vert="horz" wrap="none" lIns="91440" tIns="45720" rIns="91440" bIns="45720" numCol="1" spcCol="0" rtlCol="0" fromWordArt="0" anchor="ctr" anchorCtr="0" forceAA="0" compatLnSpc="1">
+              <a:prstTxWarp prst="textNoShape">
+                <a:avLst/>
+              </a:prstTxWarp>
+              <a:noAutofit/>
+            </a:bodyPr>
+            <a:lstStyle>
+              <a:defPPr>
+                <a:defRPr lang="en-US"/>
+              </a:defPPr>
+              <a:lvl1pPr>
+                <a:defRPr sz="800">
+                  <a:latin typeface="Consolas" panose="020B0609020204030204" pitchFamily="49" charset="0"/>
+                  <a:cs typeface="Consolas" panose="020B0609020204030204" pitchFamily="49" charset="0"/>
+                </a:defRPr>
+              </a:lvl1pPr>
+              <a:lvl2pPr>
+                <a:defRPr>
+                  <a:solidFill>
+                    <a:schemeClr val="lt1"/>
+                  </a:solidFill>
+                </a:defRPr>
+              </a:lvl2pPr>
+              <a:lvl3pPr>
+                <a:defRPr>
+                  <a:solidFill>
+                    <a:schemeClr val="lt1"/>
+                  </a:solidFill>
+                </a:defRPr>
+              </a:lvl3pPr>
+              <a:lvl4pPr>
+                <a:defRPr>
+                  <a:solidFill>
+                    <a:schemeClr val="lt1"/>
+                  </a:solidFill>
+                </a:defRPr>
+              </a:lvl4pPr>
+              <a:lvl5pPr>
+                <a:defRPr>
+                  <a:solidFill>
+                    <a:schemeClr val="lt1"/>
+                  </a:solidFill>
+                </a:defRPr>
+              </a:lvl5pPr>
+              <a:lvl6pPr>
+                <a:defRPr>
+                  <a:solidFill>
+                    <a:schemeClr val="lt1"/>
+                  </a:solidFill>
+                </a:defRPr>
+              </a:lvl6pPr>
+              <a:lvl7pPr>
+                <a:defRPr>
+                  <a:solidFill>
+                    <a:schemeClr val="lt1"/>
+                  </a:solidFill>
+                </a:defRPr>
+              </a:lvl7pPr>
+              <a:lvl8pPr>
+                <a:defRPr>
+                  <a:solidFill>
+                    <a:schemeClr val="lt1"/>
+                  </a:solidFill>
+                </a:defRPr>
+              </a:lvl8pPr>
+              <a:lvl9pPr>
+                <a:defRPr>
+                  <a:solidFill>
+                    <a:schemeClr val="lt1"/>
+                  </a:solidFill>
+                </a:defRPr>
+              </a:lvl9pPr>
+            </a:lstStyle>
+            <a:p>
+              <a:r>
+                <a:rPr lang="en-US" sz="700" dirty="0">
+                  <a:solidFill>
+                    <a:schemeClr val="tx1"/>
+                  </a:solidFill>
+                </a:rPr>
+                <a:t>{</a:t>
+              </a:r>
+            </a:p>
+            <a:p>
+              <a:r>
+                <a:rPr lang="en-US" sz="700" dirty="0">
+                  <a:solidFill>
+                    <a:schemeClr val="tx1"/>
+                  </a:solidFill>
+                </a:rPr>
+                <a:t>  "meta": {</a:t>
+              </a:r>
+            </a:p>
+            <a:p>
+              <a:r>
+                <a:rPr lang="en-US" sz="700" dirty="0">
+                  <a:solidFill>
+                    <a:schemeClr val="tx1"/>
+                  </a:solidFill>
+                </a:rPr>
+                <a:t>    "module": "openc2"</a:t>
+              </a:r>
+            </a:p>
+            <a:p>
+              <a:r>
+                <a:rPr lang="en-US" sz="700" dirty="0">
+                  <a:solidFill>
+                    <a:schemeClr val="tx1"/>
+                  </a:solidFill>
+                </a:rPr>
+                <a:t>  },</a:t>
+              </a:r>
+            </a:p>
+            <a:p>
+              <a:r>
+                <a:rPr lang="en-US" sz="700" dirty="0">
+                  <a:solidFill>
+                    <a:schemeClr val="tx1"/>
+                  </a:solidFill>
+                </a:rPr>
+                <a:t>  "types": [</a:t>
+              </a:r>
+            </a:p>
+            <a:p>
+              <a:r>
+                <a:rPr lang="en-US" sz="700" dirty="0">
+                  <a:solidFill>
+                    <a:schemeClr val="tx1"/>
+                  </a:solidFill>
+                </a:rPr>
+                <a:t>    ["OpenC2Command", "Record", </a:t>
+              </a:r>
+              <a:r>
+                <a:rPr lang="en-US" sz="700" dirty="0" smtClean="0">
+                  <a:solidFill>
+                    <a:schemeClr val="tx1"/>
+                  </a:solidFill>
+                </a:rPr>
+                <a:t>[],</a:t>
+              </a:r>
+              <a:endParaRPr lang="en-US" sz="700" dirty="0">
                 <a:solidFill>
                   <a:schemeClr val="tx1"/>
                 </a:solidFill>
-              </a:rPr>
-              <a:t>{</a:t>
-            </a:r>
-          </a:p>
-          <a:p>
-            <a:r>
-              <a:rPr lang="en-US" sz="600" dirty="0">
+              </a:endParaRPr>
+            </a:p>
+            <a:p>
+              <a:r>
+                <a:rPr lang="en-US" sz="700" dirty="0">
+                  <a:solidFill>
+                    <a:schemeClr val="tx1"/>
+                  </a:solidFill>
+                </a:rPr>
+                <a:t>      [1, "action", "Action", </a:t>
+              </a:r>
+              <a:r>
+                <a:rPr lang="en-US" sz="700" dirty="0" smtClean="0">
+                  <a:solidFill>
+                    <a:schemeClr val="tx1"/>
+                  </a:solidFill>
+                </a:rPr>
+                <a:t>[],</a:t>
+              </a:r>
+              <a:endParaRPr lang="en-US" sz="700" dirty="0">
                 <a:solidFill>
                   <a:schemeClr val="tx1"/>
                 </a:solidFill>
-              </a:rPr>
-              <a:t>  "meta": {</a:t>
-            </a:r>
-          </a:p>
-          <a:p>
-            <a:r>
-              <a:rPr lang="en-US" sz="600" dirty="0">
+              </a:endParaRPr>
+            </a:p>
+            <a:p>
+              <a:r>
+                <a:rPr lang="en-US" sz="700" dirty="0">
+                  <a:solidFill>
+                    <a:schemeClr val="tx1"/>
+                  </a:solidFill>
+                </a:rPr>
+                <a:t>      [2, "target", "Target", </a:t>
+              </a:r>
+              <a:r>
+                <a:rPr lang="en-US" sz="700" dirty="0" smtClean="0">
+                  <a:solidFill>
+                    <a:schemeClr val="tx1"/>
+                  </a:solidFill>
+                </a:rPr>
+                <a:t>[],</a:t>
+              </a:r>
+              <a:endParaRPr lang="en-US" sz="700" dirty="0">
                 <a:solidFill>
                   <a:schemeClr val="tx1"/>
                 </a:solidFill>
-              </a:rPr>
-              <a:t>    "module": "openc2"</a:t>
-            </a:r>
-          </a:p>
-          <a:p>
-            <a:r>
-              <a:rPr lang="en-US" sz="600" dirty="0">
+              </a:endParaRPr>
+            </a:p>
+            <a:p>
+              <a:r>
+                <a:rPr lang="en-US" sz="700" dirty="0">
+                  <a:solidFill>
+                    <a:schemeClr val="tx1"/>
+                  </a:solidFill>
+                </a:rPr>
+                <a:t>      [3, "actuator", "Actuator", </a:t>
+              </a:r>
+              <a:r>
+                <a:rPr lang="en-US" sz="700" dirty="0" smtClean="0">
+                  <a:solidFill>
+                    <a:schemeClr val="tx1"/>
+                  </a:solidFill>
+                </a:rPr>
+                <a:t>[</a:t>
+              </a:r>
+              <a:endParaRPr lang="en-US" sz="700" dirty="0">
                 <a:solidFill>
                   <a:schemeClr val="tx1"/>
                 </a:solidFill>
-              </a:rPr>
-              <a:t>  },</a:t>
-            </a:r>
-          </a:p>
-          <a:p>
-            <a:r>
-              <a:rPr lang="en-US" sz="600" dirty="0">
+              </a:endParaRPr>
+            </a:p>
+            <a:p>
+              <a:r>
+                <a:rPr lang="en-US" sz="700" dirty="0">
+                  <a:solidFill>
+                    <a:schemeClr val="tx1"/>
+                  </a:solidFill>
+                </a:rPr>
+                <a:t>      [4, "modifiers", "Modifiers</a:t>
+              </a:r>
+              <a:r>
+                <a:rPr lang="en-US" sz="700" dirty="0" smtClean="0">
+                  <a:solidFill>
+                    <a:schemeClr val="tx1"/>
+                  </a:solidFill>
+                </a:rPr>
+                <a:t>",</a:t>
+              </a:r>
+              <a:endParaRPr lang="en-US" sz="700" dirty="0">
                 <a:solidFill>
                   <a:schemeClr val="tx1"/>
                 </a:solidFill>
-              </a:rPr>
-              <a:t>  "types": [</a:t>
-            </a:r>
-          </a:p>
-          <a:p>
-            <a:r>
-              <a:rPr lang="en-US" sz="600" dirty="0">
-                <a:solidFill>
-                  <a:schemeClr val="tx1"/>
-                </a:solidFill>
-              </a:rPr>
-              <a:t>    ["OpenC2Command", "Record", "", [</a:t>
-            </a:r>
-          </a:p>
-          <a:p>
-            <a:r>
-              <a:rPr lang="en-US" sz="600" dirty="0">
-                <a:solidFill>
-                  <a:schemeClr val="tx1"/>
-                </a:solidFill>
-              </a:rPr>
-              <a:t>      [1, "action", "Action", ""],</a:t>
-            </a:r>
-          </a:p>
-          <a:p>
-            <a:r>
-              <a:rPr lang="en-US" sz="600" dirty="0">
-                <a:solidFill>
-                  <a:schemeClr val="tx1"/>
-                </a:solidFill>
-              </a:rPr>
-              <a:t>      [2, "target", "Target", ""],</a:t>
-            </a:r>
-          </a:p>
-          <a:p>
-            <a:r>
-              <a:rPr lang="en-US" sz="600" dirty="0">
-                <a:solidFill>
-                  <a:schemeClr val="tx1"/>
-                </a:solidFill>
-              </a:rPr>
-              <a:t>      [3, "actuator", "Actuator", "?"],</a:t>
-            </a:r>
-          </a:p>
-          <a:p>
-            <a:r>
-              <a:rPr lang="en-US" sz="600" dirty="0">
-                <a:solidFill>
-                  <a:schemeClr val="tx1"/>
-                </a:solidFill>
-              </a:rPr>
-              <a:t>      [4, "modifiers", "Modifiers", "?"]</a:t>
-            </a:r>
-          </a:p>
-          <a:p>
-            <a:r>
-              <a:rPr lang="en-US" sz="600" dirty="0">
-                <a:solidFill>
-                  <a:schemeClr val="tx1"/>
-                </a:solidFill>
-              </a:rPr>
-              <a:t>    ]]</a:t>
-            </a:r>
-          </a:p>
-          <a:p>
-            <a:r>
-              <a:rPr lang="en-US" sz="600" dirty="0">
-                <a:solidFill>
-                  <a:schemeClr val="tx1"/>
-                </a:solidFill>
-              </a:rPr>
-              <a:t>  ]</a:t>
-            </a:r>
-          </a:p>
-          <a:p>
-            <a:r>
-              <a:rPr lang="en-US" sz="600" dirty="0">
-                <a:solidFill>
-                  <a:schemeClr val="tx1"/>
-                </a:solidFill>
-              </a:rPr>
-              <a:t>}</a:t>
-            </a:r>
-          </a:p>
-        </p:txBody>
-      </p:sp>
+              </a:endParaRPr>
+            </a:p>
+            <a:p>
+              <a:r>
+                <a:rPr lang="en-US" sz="700" dirty="0">
+                  <a:solidFill>
+                    <a:schemeClr val="tx1"/>
+                  </a:solidFill>
+                </a:rPr>
+                <a:t>    ]]</a:t>
+              </a:r>
+            </a:p>
+            <a:p>
+              <a:r>
+                <a:rPr lang="en-US" sz="700" dirty="0">
+                  <a:solidFill>
+                    <a:schemeClr val="tx1"/>
+                  </a:solidFill>
+                </a:rPr>
+                <a:t>  ]</a:t>
+              </a:r>
+            </a:p>
+            <a:p>
+              <a:r>
+                <a:rPr lang="en-US" sz="700" dirty="0">
+                  <a:solidFill>
+                    <a:schemeClr val="tx1"/>
+                  </a:solidFill>
+                </a:rPr>
+                <a:t>}</a:t>
+              </a:r>
+            </a:p>
+          </p:txBody>
+        </p:sp>
+      </p:grpSp>
       <p:sp>
         <p:nvSpPr>
           <p:cNvPr id="58" name="TextBox 57"/>
@@ -7261,7 +7441,7 @@
         <p:spPr>
           <a:xfrm>
             <a:off x="1511084" y="3135868"/>
-            <a:ext cx="681597" cy="369332"/>
+            <a:ext cx="667170" cy="369332"/>
           </a:xfrm>
           <a:prstGeom prst="rect">
             <a:avLst/>
@@ -7276,7 +7456,7 @@
           <a:p>
             <a:r>
               <a:rPr lang="en-US" dirty="0" smtClean="0"/>
-              <a:t>JASN</a:t>
+              <a:t>JAEN</a:t>
             </a:r>
             <a:endParaRPr lang="en-US" dirty="0"/>
           </a:p>
@@ -8545,7 +8725,7 @@
           <a:p>
             <a:r>
               <a:rPr lang="en-US" dirty="0" smtClean="0"/>
-              <a:t>Mostly </a:t>
+              <a:t>Patterned after </a:t>
             </a:r>
             <a:r>
               <a:rPr lang="en-US" dirty="0" smtClean="0"/>
@@ -8676,7 +8856,7 @@
             <a:pPr lvl="2"/>
             <a:r>
               <a:rPr lang="en-US" dirty="0" smtClean="0"/>
-              <a:t>Supports direct translation to JASN without compiling</a:t>
+              <a:t>Supports direct translation to JAEN without compiling</a:t>
             </a:r>
           </a:p>
         </p:txBody>
@@ -9269,316 +9449,6 @@
           </a:p>
         </p:txBody>
       </p:sp>
-      <p:grpSp>
-        <p:nvGrpSpPr>
-          <p:cNvPr id="65" name="Group 64"/>
-          <p:cNvGrpSpPr/>
-          <p:nvPr/>
-        </p:nvGrpSpPr>
-        <p:grpSpPr>
-          <a:xfrm>
-            <a:off x="884842" y="1828800"/>
-            <a:ext cx="1838516" cy="1371600"/>
-            <a:chOff x="828484" y="2042010"/>
-            <a:chExt cx="1838516" cy="1371600"/>
-          </a:xfrm>
-        </p:grpSpPr>
-        <p:sp>
-          <p:nvSpPr>
-            <p:cNvPr id="56" name="Folded Corner 55"/>
-            <p:cNvSpPr/>
-            <p:nvPr/>
-          </p:nvSpPr>
-          <p:spPr>
-            <a:xfrm rot="10800000">
-              <a:off x="875698" y="2042010"/>
-              <a:ext cx="1791302" cy="1371600"/>
-            </a:xfrm>
-            <a:prstGeom prst="foldedCorner">
-              <a:avLst>
-                <a:gd name="adj" fmla="val 9888"/>
-              </a:avLst>
-            </a:prstGeom>
-            <a:solidFill>
-              <a:schemeClr val="accent6">
-                <a:lumMod val="20000"/>
-                <a:lumOff val="80000"/>
-              </a:schemeClr>
-            </a:solidFill>
-            <a:ln w="12700"/>
-          </p:spPr>
-          <p:style>
-            <a:lnRef idx="2">
-              <a:schemeClr val="accent1">
-                <a:shade val="50000"/>
-              </a:schemeClr>
-            </a:lnRef>
-            <a:fillRef idx="1">
-              <a:schemeClr val="accent1"/>
-            </a:fillRef>
-            <a:effectRef idx="0">
-              <a:schemeClr val="accent1"/>
-            </a:effectRef>
-            <a:fontRef idx="minor">
-              <a:schemeClr val="lt1"/>
-            </a:fontRef>
-          </p:style>
-          <p:txBody>
-            <a:bodyPr rtlCol="0" anchor="ctr"/>
-            <a:lstStyle/>
-            <a:p>
-              <a:endParaRPr lang="en-US" sz="800" dirty="0">
-                <a:solidFill>
-                  <a:schemeClr val="tx1"/>
-                </a:solidFill>
-                <a:latin typeface="Consolas" panose="020B0609020204030204" pitchFamily="49" charset="0"/>
-                <a:cs typeface="Consolas" panose="020B0609020204030204" pitchFamily="49" charset="0"/>
-              </a:endParaRPr>
-            </a:p>
-          </p:txBody>
-        </p:sp>
-        <p:sp>
-          <p:nvSpPr>
-            <p:cNvPr id="33" name="TextBox 32"/>
-            <p:cNvSpPr txBox="1"/>
-            <p:nvPr/>
-          </p:nvSpPr>
-          <p:spPr>
-            <a:xfrm>
-              <a:off x="828484" y="2156310"/>
-              <a:ext cx="1838516" cy="1257300"/>
-            </a:xfrm>
-            <a:prstGeom prst="rect">
-              <a:avLst/>
-            </a:prstGeom>
-            <a:noFill/>
-            <a:ln w="12700">
-              <a:noFill/>
-            </a:ln>
-          </p:spPr>
-          <p:style>
-            <a:lnRef idx="2">
-              <a:schemeClr val="accent1">
-                <a:shade val="50000"/>
-              </a:schemeClr>
-            </a:lnRef>
-            <a:fillRef idx="1">
-              <a:schemeClr val="accent1"/>
-            </a:fillRef>
-            <a:effectRef idx="0">
-              <a:schemeClr val="accent1"/>
-            </a:effectRef>
-            <a:fontRef idx="minor">
-              <a:schemeClr val="lt1"/>
-            </a:fontRef>
-          </p:style>
-          <p:txBody>
-            <a:bodyPr rot="0" spcFirstLastPara="0" vertOverflow="overflow" horzOverflow="overflow" vert="horz" wrap="square" lIns="91440" tIns="45720" rIns="91440" bIns="45720" numCol="1" spcCol="0" rtlCol="0" fromWordArt="0" anchor="ctr" anchorCtr="0" forceAA="0" compatLnSpc="1">
-              <a:prstTxWarp prst="textNoShape">
-                <a:avLst/>
-              </a:prstTxWarp>
-              <a:noAutofit/>
-            </a:bodyPr>
-            <a:lstStyle>
-              <a:defPPr>
-                <a:defRPr lang="en-US"/>
-              </a:defPPr>
-              <a:lvl1pPr>
-                <a:defRPr sz="800">
-                  <a:latin typeface="Consolas" panose="020B0609020204030204" pitchFamily="49" charset="0"/>
-                  <a:cs typeface="Consolas" panose="020B0609020204030204" pitchFamily="49" charset="0"/>
-                </a:defRPr>
-              </a:lvl1pPr>
-              <a:lvl2pPr>
-                <a:defRPr>
-                  <a:solidFill>
-                    <a:schemeClr val="lt1"/>
-                  </a:solidFill>
-                </a:defRPr>
-              </a:lvl2pPr>
-              <a:lvl3pPr>
-                <a:defRPr>
-                  <a:solidFill>
-                    <a:schemeClr val="lt1"/>
-                  </a:solidFill>
-                </a:defRPr>
-              </a:lvl3pPr>
-              <a:lvl4pPr>
-                <a:defRPr>
-                  <a:solidFill>
-                    <a:schemeClr val="lt1"/>
-                  </a:solidFill>
-                </a:defRPr>
-              </a:lvl4pPr>
-              <a:lvl5pPr>
-                <a:defRPr>
-                  <a:solidFill>
-                    <a:schemeClr val="lt1"/>
-                  </a:solidFill>
-                </a:defRPr>
-              </a:lvl5pPr>
-              <a:lvl6pPr>
-                <a:defRPr>
-                  <a:solidFill>
-                    <a:schemeClr val="lt1"/>
-                  </a:solidFill>
-                </a:defRPr>
-              </a:lvl6pPr>
-              <a:lvl7pPr>
-                <a:defRPr>
-                  <a:solidFill>
-                    <a:schemeClr val="lt1"/>
-                  </a:solidFill>
-                </a:defRPr>
-              </a:lvl7pPr>
-              <a:lvl8pPr>
-                <a:defRPr>
-                  <a:solidFill>
-                    <a:schemeClr val="lt1"/>
-                  </a:solidFill>
-                </a:defRPr>
-              </a:lvl8pPr>
-              <a:lvl9pPr>
-                <a:defRPr>
-                  <a:solidFill>
-                    <a:schemeClr val="lt1"/>
-                  </a:solidFill>
-                </a:defRPr>
-              </a:lvl9pPr>
-            </a:lstStyle>
-            <a:p>
-              <a:r>
-                <a:rPr lang="en-US" sz="600" dirty="0">
-                  <a:solidFill>
-                    <a:schemeClr val="tx1"/>
-                  </a:solidFill>
-                </a:rPr>
-                <a:t>{</a:t>
-              </a:r>
-            </a:p>
-            <a:p>
-              <a:r>
-                <a:rPr lang="en-US" sz="600" dirty="0">
-                  <a:solidFill>
-                    <a:schemeClr val="tx1"/>
-                  </a:solidFill>
-                </a:rPr>
-                <a:t>  "meta": {</a:t>
-              </a:r>
-            </a:p>
-            <a:p>
-              <a:r>
-                <a:rPr lang="en-US" sz="600" dirty="0">
-                  <a:solidFill>
-                    <a:schemeClr val="tx1"/>
-                  </a:solidFill>
-                </a:rPr>
-                <a:t>    "module": "openc2"</a:t>
-              </a:r>
-            </a:p>
-            <a:p>
-              <a:r>
-                <a:rPr lang="en-US" sz="600" dirty="0">
-                  <a:solidFill>
-                    <a:schemeClr val="tx1"/>
-                  </a:solidFill>
-                </a:rPr>
-                <a:t>  },</a:t>
-              </a:r>
-            </a:p>
-            <a:p>
-              <a:r>
-                <a:rPr lang="en-US" sz="600" dirty="0">
-                  <a:solidFill>
-                    <a:schemeClr val="tx1"/>
-                  </a:solidFill>
-                </a:rPr>
-                <a:t>  "types": [</a:t>
-              </a:r>
-            </a:p>
-            <a:p>
-              <a:r>
-                <a:rPr lang="en-US" sz="600" dirty="0">
-                  <a:solidFill>
-                    <a:schemeClr val="tx1"/>
-                  </a:solidFill>
-                </a:rPr>
-                <a:t>    ["OpenC2Command", "Record", "", [</a:t>
-              </a:r>
-            </a:p>
-            <a:p>
-              <a:r>
-                <a:rPr lang="en-US" sz="600" dirty="0">
-                  <a:solidFill>
-                    <a:schemeClr val="tx1"/>
-                  </a:solidFill>
-                </a:rPr>
-                <a:t>      [1, "action", "Action", ""],</a:t>
-              </a:r>
-            </a:p>
-            <a:p>
-              <a:r>
-                <a:rPr lang="en-US" sz="600" dirty="0">
-                  <a:solidFill>
-                    <a:schemeClr val="tx1"/>
-                  </a:solidFill>
-                </a:rPr>
-                <a:t>      [2, "target", "Target", ""],</a:t>
-              </a:r>
-            </a:p>
-            <a:p>
-              <a:r>
-                <a:rPr lang="en-US" sz="600" dirty="0">
-                  <a:solidFill>
-                    <a:schemeClr val="tx1"/>
-                  </a:solidFill>
-                </a:rPr>
-                <a:t>      [3, "actuator", "Actuator", "?"],</a:t>
-              </a:r>
-            </a:p>
-            <a:p>
-              <a:r>
-                <a:rPr lang="en-US" sz="600" dirty="0">
-                  <a:solidFill>
-                    <a:schemeClr val="tx1"/>
-                  </a:solidFill>
-                </a:rPr>
-                <a:t>      [4, "modifiers", "Modifiers", "?"]</a:t>
-              </a:r>
-            </a:p>
-            <a:p>
-              <a:r>
-                <a:rPr lang="en-US" sz="600" dirty="0">
-                  <a:solidFill>
-                    <a:schemeClr val="tx1"/>
-                  </a:solidFill>
-                </a:rPr>
-                <a:t>    ]]</a:t>
-              </a:r>
-            </a:p>
-            <a:p>
-              <a:r>
-                <a:rPr lang="en-US" sz="600" dirty="0">
-                  <a:solidFill>
-                    <a:schemeClr val="tx1"/>
-                  </a:solidFill>
-                </a:rPr>
-                <a:t>  ]</a:t>
-              </a:r>
-            </a:p>
-            <a:p>
-              <a:r>
-                <a:rPr lang="en-US" sz="600" dirty="0">
-                  <a:solidFill>
-                    <a:schemeClr val="tx1"/>
-                  </a:solidFill>
-                </a:rPr>
-                <a:t>}</a:t>
-              </a:r>
-            </a:p>
-          </p:txBody>
-        </p:sp>
-      </p:grpSp>
       <p:sp>
         <p:nvSpPr>
           <p:cNvPr id="58" name="TextBox 57"/>
@@ -9588,7 +9458,7 @@
         <p:spPr>
           <a:xfrm>
             <a:off x="1511084" y="3135868"/>
-            <a:ext cx="681597" cy="369332"/>
+            <a:ext cx="667170" cy="369332"/>
           </a:xfrm>
           <a:prstGeom prst="rect">
             <a:avLst/>
@@ -9603,7 +9473,7 @@
           <a:p>
             <a:r>
               <a:rPr lang="en-US" dirty="0" smtClean="0"/>
-              <a:t>JASN</a:t>
+              <a:t>JAEN</a:t>
             </a:r>
             <a:endParaRPr lang="en-US" dirty="0"/>
           </a:p>
@@ -10750,6 +10620,381 @@
           </a:p>
         </p:txBody>
       </p:sp>
+      <p:grpSp>
+        <p:nvGrpSpPr>
+          <p:cNvPr id="39" name="Group 38"/>
+          <p:cNvGrpSpPr/>
+          <p:nvPr/>
+        </p:nvGrpSpPr>
+        <p:grpSpPr>
+          <a:xfrm>
+            <a:off x="838200" y="1650100"/>
+            <a:ext cx="1885158" cy="1550300"/>
+            <a:chOff x="838200" y="1650100"/>
+            <a:chExt cx="1885158" cy="1550300"/>
+          </a:xfrm>
+        </p:grpSpPr>
+        <p:sp>
+          <p:nvSpPr>
+            <p:cNvPr id="41" name="Folded Corner 40"/>
+            <p:cNvSpPr/>
+            <p:nvPr/>
+          </p:nvSpPr>
+          <p:spPr>
+            <a:xfrm rot="10800000">
+              <a:off x="857430" y="1650100"/>
+              <a:ext cx="1865928" cy="1550300"/>
+            </a:xfrm>
+            <a:prstGeom prst="foldedCorner">
+              <a:avLst>
+                <a:gd name="adj" fmla="val 9888"/>
+              </a:avLst>
+            </a:prstGeom>
+            <a:solidFill>
+              <a:schemeClr val="accent6">
+                <a:lumMod val="20000"/>
+                <a:lumOff val="80000"/>
+              </a:schemeClr>
+            </a:solidFill>
+            <a:ln w="12700"/>
+          </p:spPr>
+          <p:style>
+            <a:lnRef idx="2">
+              <a:schemeClr val="accent1">
+                <a:shade val="50000"/>
+              </a:schemeClr>
+            </a:lnRef>
+            <a:fillRef idx="1">
+              <a:schemeClr val="accent1"/>
+            </a:fillRef>
+            <a:effectRef idx="0">
+              <a:schemeClr val="accent1"/>
+            </a:effectRef>
+            <a:fontRef idx="minor">
+              <a:schemeClr val="lt1"/>
+            </a:fontRef>
+          </p:style>
+          <p:txBody>
+            <a:bodyPr rtlCol="0" anchor="ctr"/>
+            <a:lstStyle/>
+            <a:p>
+              <a:endParaRPr lang="en-US" sz="800" dirty="0">
+                <a:solidFill>
+                  <a:schemeClr val="tx1"/>
+                </a:solidFill>
+                <a:latin typeface="Consolas" panose="020B0609020204030204" pitchFamily="49" charset="0"/>
+                <a:cs typeface="Consolas" panose="020B0609020204030204" pitchFamily="49" charset="0"/>
+              </a:endParaRPr>
+            </a:p>
+          </p:txBody>
+        </p:sp>
+        <p:sp>
+          <p:nvSpPr>
+            <p:cNvPr id="42" name="TextBox 41"/>
+            <p:cNvSpPr txBox="1"/>
+            <p:nvPr/>
+          </p:nvSpPr>
+          <p:spPr>
+            <a:xfrm>
+              <a:off x="838200" y="1702700"/>
+              <a:ext cx="1862930" cy="1497700"/>
+            </a:xfrm>
+            <a:prstGeom prst="rect">
+              <a:avLst/>
+            </a:prstGeom>
+            <a:noFill/>
+            <a:ln w="12700">
+              <a:noFill/>
+            </a:ln>
+          </p:spPr>
+          <p:style>
+            <a:lnRef idx="2">
+              <a:schemeClr val="accent1">
+                <a:shade val="50000"/>
+              </a:schemeClr>
+            </a:lnRef>
+            <a:fillRef idx="1">
+              <a:schemeClr val="accent1"/>
+            </a:fillRef>
+            <a:effectRef idx="0">
+              <a:schemeClr val="accent1"/>
+            </a:effectRef>
+            <a:fontRef idx="minor">
+              <a:schemeClr val="lt1"/>
+            </a:fontRef>
+          </p:style>
+          <p:txBody>
+            <a:bodyPr rot="0" spcFirstLastPara="0" vertOverflow="overflow" horzOverflow="overflow" vert="horz" wrap="none" lIns="91440" tIns="45720" rIns="91440" bIns="45720" numCol="1" spcCol="0" rtlCol="0" fromWordArt="0" anchor="ctr" anchorCtr="0" forceAA="0" compatLnSpc="1">
+              <a:prstTxWarp prst="textNoShape">
+                <a:avLst/>
+              </a:prstTxWarp>
+              <a:noAutofit/>
+            </a:bodyPr>
+            <a:lstStyle>
+              <a:defPPr>
+                <a:defRPr lang="en-US"/>
+              </a:defPPr>
+              <a:lvl1pPr>
+                <a:defRPr sz="800">
+                  <a:latin typeface="Consolas" panose="020B0609020204030204" pitchFamily="49" charset="0"/>
+                  <a:cs typeface="Consolas" panose="020B0609020204030204" pitchFamily="49" charset="0"/>
+                </a:defRPr>
+              </a:lvl1pPr>
+              <a:lvl2pPr>
+                <a:defRPr>
+                  <a:solidFill>
+                    <a:schemeClr val="lt1"/>
+                  </a:solidFill>
+                </a:defRPr>
+              </a:lvl2pPr>
+              <a:lvl3pPr>
+                <a:defRPr>
+                  <a:solidFill>
+                    <a:schemeClr val="lt1"/>
+                  </a:solidFill>
+                </a:defRPr>
+              </a:lvl3pPr>
+              <a:lvl4pPr>
+                <a:defRPr>
+                  <a:solidFill>
+                    <a:schemeClr val="lt1"/>
+                  </a:solidFill>
+                </a:defRPr>
+              </a:lvl4pPr>
+              <a:lvl5pPr>
+                <a:defRPr>
+                  <a:solidFill>
+                    <a:schemeClr val="lt1"/>
+                  </a:solidFill>
+                </a:defRPr>
+              </a:lvl5pPr>
+              <a:lvl6pPr>
+                <a:defRPr>
+                  <a:solidFill>
+                    <a:schemeClr val="lt1"/>
+                  </a:solidFill>
+                </a:defRPr>
+              </a:lvl6pPr>
+              <a:lvl7pPr>
+                <a:defRPr>
+                  <a:solidFill>
+                    <a:schemeClr val="lt1"/>
+                  </a:solidFill>
+                </a:defRPr>
+              </a:lvl7pPr>
+              <a:lvl8pPr>
+                <a:defRPr>
+                  <a:solidFill>
+                    <a:schemeClr val="lt1"/>
+                  </a:solidFill>
+                </a:defRPr>
+              </a:lvl8pPr>
+              <a:lvl9pPr>
+                <a:defRPr>
+                  <a:solidFill>
+                    <a:schemeClr val="lt1"/>
+                  </a:solidFill>
+                </a:defRPr>
+              </a:lvl9pPr>
+            </a:lstStyle>
+            <a:p>
+              <a:r>
+                <a:rPr lang="en-US" sz="700" dirty="0">
+                  <a:solidFill>
+                    <a:schemeClr val="tx1"/>
+                  </a:solidFill>
+                </a:rPr>
+                <a:t>{</a:t>
+              </a:r>
+            </a:p>
+            <a:p>
+              <a:r>
+                <a:rPr lang="en-US" sz="700" dirty="0">
+                  <a:solidFill>
+                    <a:schemeClr val="tx1"/>
+                  </a:solidFill>
+                </a:rPr>
+                <a:t>  "meta": {</a:t>
+              </a:r>
+            </a:p>
+            <a:p>
+              <a:r>
+                <a:rPr lang="en-US" sz="700" dirty="0">
+                  <a:solidFill>
+                    <a:schemeClr val="tx1"/>
+                  </a:solidFill>
+                </a:rPr>
+                <a:t>    "module": "openc2"</a:t>
+              </a:r>
+            </a:p>
+            <a:p>
+              <a:r>
+                <a:rPr lang="en-US" sz="700" dirty="0">
+                  <a:solidFill>
+                    <a:schemeClr val="tx1"/>
+                  </a:solidFill>
+                </a:rPr>
+                <a:t>  },</a:t>
+              </a:r>
+            </a:p>
+            <a:p>
+              <a:r>
+                <a:rPr lang="en-US" sz="700" dirty="0">
+                  <a:solidFill>
+                    <a:schemeClr val="tx1"/>
+                  </a:solidFill>
+                </a:rPr>
+                <a:t>  "types": [</a:t>
+              </a:r>
+            </a:p>
+            <a:p>
+              <a:r>
+                <a:rPr lang="en-US" sz="700" dirty="0">
+                  <a:solidFill>
+                    <a:schemeClr val="tx1"/>
+                  </a:solidFill>
+                </a:rPr>
+                <a:t>    ["OpenC2Command", "Record", </a:t>
+              </a:r>
+              <a:r>
+                <a:rPr lang="en-US" sz="700" dirty="0" smtClean="0">
+                  <a:solidFill>
+                    <a:schemeClr val="tx1"/>
+                  </a:solidFill>
+                </a:rPr>
+                <a:t>[],</a:t>
+              </a:r>
+              <a:endParaRPr lang="en-US" sz="700" dirty="0">
+                <a:solidFill>
+                  <a:schemeClr val="tx1"/>
+                </a:solidFill>
+              </a:endParaRPr>
+            </a:p>
+            <a:p>
+              <a:r>
+                <a:rPr lang="en-US" sz="700" dirty="0">
+                  <a:solidFill>
+                    <a:schemeClr val="tx1"/>
+                  </a:solidFill>
+                </a:rPr>
+                <a:t>      [1, "action", "Action", </a:t>
+              </a:r>
+              <a:r>
+                <a:rPr lang="en-US" sz="700" dirty="0" smtClean="0">
+                  <a:solidFill>
+                    <a:schemeClr val="tx1"/>
+                  </a:solidFill>
+                </a:rPr>
+                <a:t>[],</a:t>
+              </a:r>
+              <a:endParaRPr lang="en-US" sz="700" dirty="0">
+                <a:solidFill>
+                  <a:schemeClr val="tx1"/>
+                </a:solidFill>
+              </a:endParaRPr>
+            </a:p>
+            <a:p>
+              <a:r>
+                <a:rPr lang="en-US" sz="700" dirty="0">
+                  <a:solidFill>
+                    <a:schemeClr val="tx1"/>
+                  </a:solidFill>
+                </a:rPr>
+                <a:t>      [2, "target", "Target", </a:t>
+              </a:r>
+              <a:r>
+                <a:rPr lang="en-US" sz="700" dirty="0" smtClean="0">
+                  <a:solidFill>
+                    <a:schemeClr val="tx1"/>
+                  </a:solidFill>
+                </a:rPr>
+                <a:t>[],</a:t>
+              </a:r>
+              <a:endParaRPr lang="en-US" sz="700" dirty="0">
+                <a:solidFill>
+                  <a:schemeClr val="tx1"/>
+                </a:solidFill>
+              </a:endParaRPr>
+            </a:p>
+            <a:p>
+              <a:r>
+                <a:rPr lang="en-US" sz="700" dirty="0">
+                  <a:solidFill>
+                    <a:schemeClr val="tx1"/>
+                  </a:solidFill>
+                </a:rPr>
+                <a:t>      [3, "actuator", "Actuator", </a:t>
+              </a:r>
+              <a:r>
+                <a:rPr lang="en-US" sz="700" dirty="0" smtClean="0">
+                  <a:solidFill>
+                    <a:schemeClr val="tx1"/>
+                  </a:solidFill>
+                </a:rPr>
+                <a:t>[</a:t>
+              </a:r>
+              <a:endParaRPr lang="en-US" sz="700" dirty="0">
+                <a:solidFill>
+                  <a:schemeClr val="tx1"/>
+                </a:solidFill>
+              </a:endParaRPr>
+            </a:p>
+            <a:p>
+              <a:r>
+                <a:rPr lang="en-US" sz="700" dirty="0">
+                  <a:solidFill>
+                    <a:schemeClr val="tx1"/>
+                  </a:solidFill>
+                </a:rPr>
+                <a:t>      [4, "modifiers", "Modifiers</a:t>
+              </a:r>
+              <a:r>
+                <a:rPr lang="en-US" sz="700" dirty="0" smtClean="0">
+                  <a:solidFill>
+                    <a:schemeClr val="tx1"/>
+                  </a:solidFill>
+                </a:rPr>
+                <a:t>",</a:t>
+              </a:r>
+              <a:endParaRPr lang="en-US" sz="700" dirty="0">
+                <a:solidFill>
+                  <a:schemeClr val="tx1"/>
+                </a:solidFill>
+              </a:endParaRPr>
+            </a:p>
+            <a:p>
+              <a:r>
+                <a:rPr lang="en-US" sz="700" dirty="0">
+                  <a:solidFill>
+                    <a:schemeClr val="tx1"/>
+                  </a:solidFill>
+                </a:rPr>
+                <a:t>    ]]</a:t>
+              </a:r>
+            </a:p>
+            <a:p>
+              <a:r>
+                <a:rPr lang="en-US" sz="700" dirty="0">
+                  <a:solidFill>
+                    <a:schemeClr val="tx1"/>
+                  </a:solidFill>
+                </a:rPr>
+                <a:t>  ]</a:t>
+              </a:r>
+            </a:p>
+            <a:p>
+              <a:r>
+                <a:rPr lang="en-US" sz="700" dirty="0">
+                  <a:solidFill>
+                    <a:schemeClr val="tx1"/>
+                  </a:solidFill>
+                </a:rPr>
+                <a:t>}</a:t>
+              </a:r>
+            </a:p>
+          </p:txBody>
+        </p:sp>
+      </p:grpSp>
     </p:spTree>
     <p:extLst>
       <p:ext uri="{BB962C8B-B14F-4D97-AF65-F5344CB8AC3E}">
@@ -11715,10 +11960,14 @@
           <a:lstStyle/>
           <a:p>
             <a:r>
-              <a:rPr lang="en-US" sz="1600" dirty="0" smtClean="0"/>
+              <a:rPr lang="en-US" sz="1600" dirty="0" smtClean="0">
+                <a:latin typeface="Calibri" panose="020F0502020204030204" pitchFamily="34" charset="0"/>
+              </a:rPr>
               <a:t>Property Tables</a:t>
             </a:r>
-            <a:endParaRPr lang="en-US" sz="1600" dirty="0"/>
+            <a:endParaRPr lang="en-US" sz="1600" dirty="0">
+              <a:latin typeface="Calibri" panose="020F0502020204030204" pitchFamily="34" charset="0"/>
+            </a:endParaRPr>
           </a:p>
         </p:txBody>
       </p:sp>
@@ -11731,7 +11980,7 @@
         <p:spPr>
           <a:xfrm>
             <a:off x="4114800" y="3117268"/>
-            <a:ext cx="1127232" cy="338554"/>
+            <a:ext cx="1140056" cy="523220"/>
           </a:xfrm>
           <a:prstGeom prst="rect">
             <a:avLst/>
@@ -11745,323 +11994,29 @@
           <a:lstStyle/>
           <a:p>
             <a:r>
-              <a:rPr lang="en-US" sz="1600" dirty="0" err="1" smtClean="0"/>
+              <a:rPr lang="en-US" sz="1600" dirty="0" err="1" smtClean="0">
+                <a:latin typeface="Calibri" panose="020F0502020204030204" pitchFamily="34" charset="0"/>
+              </a:rPr>
               <a:t>PseudoASN</a:t>
             </a:r>
-            <a:endParaRPr lang="en-US" sz="1600" dirty="0"/>
-          </a:p>
-        </p:txBody>
-      </p:sp>
-      <p:grpSp>
-        <p:nvGrpSpPr>
-          <p:cNvPr id="65" name="Group 64"/>
-          <p:cNvGrpSpPr/>
-          <p:nvPr/>
-        </p:nvGrpSpPr>
-        <p:grpSpPr>
-          <a:xfrm>
-            <a:off x="6553200" y="1861903"/>
-            <a:ext cx="1838516" cy="1371600"/>
-            <a:chOff x="828484" y="2042010"/>
-            <a:chExt cx="1838516" cy="1371600"/>
-          </a:xfrm>
-        </p:grpSpPr>
-        <p:sp>
-          <p:nvSpPr>
-            <p:cNvPr id="56" name="Folded Corner 55"/>
-            <p:cNvSpPr/>
-            <p:nvPr/>
-          </p:nvSpPr>
-          <p:spPr>
-            <a:xfrm rot="10800000">
-              <a:off x="875698" y="2042010"/>
-              <a:ext cx="1791302" cy="1371600"/>
-            </a:xfrm>
-            <a:prstGeom prst="foldedCorner">
-              <a:avLst>
-                <a:gd name="adj" fmla="val 9888"/>
-              </a:avLst>
-            </a:prstGeom>
-            <a:solidFill>
-              <a:schemeClr val="accent6">
-                <a:lumMod val="20000"/>
-                <a:lumOff val="80000"/>
-              </a:schemeClr>
-            </a:solidFill>
-            <a:ln w="12700"/>
-          </p:spPr>
-          <p:style>
-            <a:lnRef idx="2">
-              <a:schemeClr val="accent1">
-                <a:shade val="50000"/>
-              </a:schemeClr>
-            </a:lnRef>
-            <a:fillRef idx="1">
-              <a:schemeClr val="accent1"/>
-            </a:fillRef>
-            <a:effectRef idx="0">
-              <a:schemeClr val="accent1"/>
-            </a:effectRef>
-            <a:fontRef idx="minor">
-              <a:schemeClr val="lt1"/>
-            </a:fontRef>
-          </p:style>
-          <p:txBody>
-            <a:bodyPr rtlCol="0" anchor="ctr"/>
-            <a:lstStyle/>
-            <a:p>
-              <a:endParaRPr lang="en-US" sz="800" dirty="0">
-                <a:solidFill>
-                  <a:schemeClr val="tx1"/>
-                </a:solidFill>
-                <a:latin typeface="Consolas" panose="020B0609020204030204" pitchFamily="49" charset="0"/>
-                <a:cs typeface="Consolas" panose="020B0609020204030204" pitchFamily="49" charset="0"/>
-              </a:endParaRPr>
-            </a:p>
-          </p:txBody>
-        </p:sp>
-        <p:sp>
-          <p:nvSpPr>
-            <p:cNvPr id="33" name="TextBox 32"/>
-            <p:cNvSpPr txBox="1"/>
-            <p:nvPr/>
-          </p:nvSpPr>
-          <p:spPr>
-            <a:xfrm>
-              <a:off x="828484" y="2156310"/>
-              <a:ext cx="1838516" cy="1257300"/>
-            </a:xfrm>
-            <a:prstGeom prst="rect">
-              <a:avLst/>
-            </a:prstGeom>
-            <a:noFill/>
-            <a:ln w="12700">
-              <a:noFill/>
-            </a:ln>
-          </p:spPr>
-          <p:style>
-            <a:lnRef idx="2">
-              <a:schemeClr val="accent1">
-                <a:shade val="50000"/>
-              </a:schemeClr>
-            </a:lnRef>
-            <a:fillRef idx="1">
-              <a:schemeClr val="accent1"/>
-            </a:fillRef>
-            <a:effectRef idx="0">
-              <a:schemeClr val="accent1"/>
-            </a:effectRef>
-            <a:fontRef idx="minor">
-              <a:schemeClr val="lt1"/>
-            </a:fontRef>
-          </p:style>
-          <p:txBody>
-            <a:bodyPr rot="0" spcFirstLastPara="0" vertOverflow="overflow" horzOverflow="overflow" vert="horz" wrap="square" lIns="91440" tIns="45720" rIns="91440" bIns="45720" numCol="1" spcCol="0" rtlCol="0" fromWordArt="0" anchor="ctr" anchorCtr="0" forceAA="0" compatLnSpc="1">
-              <a:prstTxWarp prst="textNoShape">
-                <a:avLst/>
-              </a:prstTxWarp>
-              <a:noAutofit/>
-            </a:bodyPr>
-            <a:lstStyle>
-              <a:defPPr>
-                <a:defRPr lang="en-US"/>
-              </a:defPPr>
-              <a:lvl1pPr>
-                <a:defRPr sz="800">
-                  <a:latin typeface="Consolas" panose="020B0609020204030204" pitchFamily="49" charset="0"/>
-                  <a:cs typeface="Consolas" panose="020B0609020204030204" pitchFamily="49" charset="0"/>
-                </a:defRPr>
-              </a:lvl1pPr>
-              <a:lvl2pPr>
-                <a:defRPr>
-                  <a:solidFill>
-                    <a:schemeClr val="lt1"/>
-                  </a:solidFill>
-                </a:defRPr>
-              </a:lvl2pPr>
-              <a:lvl3pPr>
-                <a:defRPr>
-                  <a:solidFill>
-                    <a:schemeClr val="lt1"/>
-                  </a:solidFill>
-                </a:defRPr>
-              </a:lvl3pPr>
-              <a:lvl4pPr>
-                <a:defRPr>
-                  <a:solidFill>
-                    <a:schemeClr val="lt1"/>
-                  </a:solidFill>
-                </a:defRPr>
-              </a:lvl4pPr>
-              <a:lvl5pPr>
-                <a:defRPr>
-                  <a:solidFill>
-                    <a:schemeClr val="lt1"/>
-                  </a:solidFill>
-                </a:defRPr>
-              </a:lvl5pPr>
-              <a:lvl6pPr>
-                <a:defRPr>
-                  <a:solidFill>
-                    <a:schemeClr val="lt1"/>
-                  </a:solidFill>
-                </a:defRPr>
-              </a:lvl6pPr>
-              <a:lvl7pPr>
-                <a:defRPr>
-                  <a:solidFill>
-                    <a:schemeClr val="lt1"/>
-                  </a:solidFill>
-                </a:defRPr>
-              </a:lvl7pPr>
-              <a:lvl8pPr>
-                <a:defRPr>
-                  <a:solidFill>
-                    <a:schemeClr val="lt1"/>
-                  </a:solidFill>
-                </a:defRPr>
-              </a:lvl8pPr>
-              <a:lvl9pPr>
-                <a:defRPr>
-                  <a:solidFill>
-                    <a:schemeClr val="lt1"/>
-                  </a:solidFill>
-                </a:defRPr>
-              </a:lvl9pPr>
-            </a:lstStyle>
-            <a:p>
-              <a:r>
-                <a:rPr lang="en-US" sz="600" dirty="0">
-                  <a:solidFill>
-                    <a:schemeClr val="tx1"/>
-                  </a:solidFill>
-                </a:rPr>
-                <a:t>{</a:t>
-              </a:r>
-            </a:p>
-            <a:p>
-              <a:r>
-                <a:rPr lang="en-US" sz="600" dirty="0">
-                  <a:solidFill>
-                    <a:schemeClr val="tx1"/>
-                  </a:solidFill>
-                </a:rPr>
-                <a:t>  "meta": {</a:t>
-              </a:r>
-            </a:p>
-            <a:p>
-              <a:r>
-                <a:rPr lang="en-US" sz="600" dirty="0">
-                  <a:solidFill>
-                    <a:schemeClr val="tx1"/>
-                  </a:solidFill>
-                </a:rPr>
-                <a:t>    "module": "openc2"</a:t>
-              </a:r>
-            </a:p>
-            <a:p>
-              <a:r>
-                <a:rPr lang="en-US" sz="600" dirty="0">
-                  <a:solidFill>
-                    <a:schemeClr val="tx1"/>
-                  </a:solidFill>
-                </a:rPr>
-                <a:t>  },</a:t>
-              </a:r>
-            </a:p>
-            <a:p>
-              <a:r>
-                <a:rPr lang="en-US" sz="600" dirty="0">
-                  <a:solidFill>
-                    <a:schemeClr val="tx1"/>
-                  </a:solidFill>
-                </a:rPr>
-                <a:t>  "types": [</a:t>
-              </a:r>
-            </a:p>
-            <a:p>
-              <a:r>
-                <a:rPr lang="en-US" sz="600" dirty="0">
-                  <a:solidFill>
-                    <a:schemeClr val="tx1"/>
-                  </a:solidFill>
-                </a:rPr>
-                <a:t>    ["OpenC2Command", "Record", "", [</a:t>
-              </a:r>
-            </a:p>
-            <a:p>
-              <a:r>
-                <a:rPr lang="en-US" sz="600" dirty="0">
-                  <a:solidFill>
-                    <a:schemeClr val="tx1"/>
-                  </a:solidFill>
-                </a:rPr>
-                <a:t>      [1, "action", "Action", ""],</a:t>
-              </a:r>
-            </a:p>
-            <a:p>
-              <a:r>
-                <a:rPr lang="en-US" sz="600" dirty="0">
-                  <a:solidFill>
-                    <a:schemeClr val="tx1"/>
-                  </a:solidFill>
-                </a:rPr>
-                <a:t>      [2, "target", "Target", ""],</a:t>
-              </a:r>
-            </a:p>
-            <a:p>
-              <a:r>
-                <a:rPr lang="en-US" sz="600" dirty="0">
-                  <a:solidFill>
-                    <a:schemeClr val="tx1"/>
-                  </a:solidFill>
-                </a:rPr>
-                <a:t>      [3, "actuator", "Actuator", "?"],</a:t>
-              </a:r>
-            </a:p>
-            <a:p>
-              <a:r>
-                <a:rPr lang="en-US" sz="600" dirty="0">
-                  <a:solidFill>
-                    <a:schemeClr val="tx1"/>
-                  </a:solidFill>
-                </a:rPr>
-                <a:t>      [4, "modifiers", "Modifiers", "?"]</a:t>
-              </a:r>
-            </a:p>
-            <a:p>
-              <a:r>
-                <a:rPr lang="en-US" sz="600" dirty="0">
-                  <a:solidFill>
-                    <a:schemeClr val="tx1"/>
-                  </a:solidFill>
-                </a:rPr>
-                <a:t>    ]]</a:t>
-              </a:r>
-            </a:p>
-            <a:p>
-              <a:r>
-                <a:rPr lang="en-US" sz="600" dirty="0">
-                  <a:solidFill>
-                    <a:schemeClr val="tx1"/>
-                  </a:solidFill>
-                </a:rPr>
-                <a:t>  ]</a:t>
-              </a:r>
-            </a:p>
-            <a:p>
-              <a:r>
-                <a:rPr lang="en-US" sz="600" dirty="0">
-                  <a:solidFill>
-                    <a:schemeClr val="tx1"/>
-                  </a:solidFill>
-                </a:rPr>
-                <a:t>}</a:t>
-              </a:r>
-            </a:p>
-          </p:txBody>
-        </p:sp>
-      </p:grpSp>
+            <a:endParaRPr lang="en-US" sz="1600" dirty="0" smtClean="0">
+              <a:latin typeface="Calibri" panose="020F0502020204030204" pitchFamily="34" charset="0"/>
+            </a:endParaRPr>
+          </a:p>
+          <a:p>
+            <a:pPr algn="ctr"/>
+            <a:r>
+              <a:rPr lang="en-US" sz="1200" dirty="0" smtClean="0">
+                <a:latin typeface="Calibri" panose="020F0502020204030204" pitchFamily="34" charset="0"/>
+              </a:rPr>
+              <a:t>(optional)</a:t>
+            </a:r>
+            <a:endParaRPr lang="en-US" sz="1200" dirty="0">
+              <a:latin typeface="Calibri" panose="020F0502020204030204" pitchFamily="34" charset="0"/>
+            </a:endParaRPr>
+          </a:p>
+        </p:txBody>
+      </p:sp>
       <p:sp>
         <p:nvSpPr>
           <p:cNvPr id="58" name="TextBox 57"/>
@@ -12071,7 +12026,7 @@
         <p:spPr>
           <a:xfrm>
             <a:off x="7179442" y="3200400"/>
-            <a:ext cx="681597" cy="369332"/>
+            <a:ext cx="667170" cy="369332"/>
           </a:xfrm>
           <a:prstGeom prst="rect">
             <a:avLst/>
@@ -12085,10 +12040,14 @@
           <a:lstStyle/>
           <a:p>
             <a:r>
-              <a:rPr lang="en-US" dirty="0" smtClean="0"/>
-              <a:t>JASN</a:t>
-            </a:r>
-            <a:endParaRPr lang="en-US" dirty="0"/>
+              <a:rPr lang="en-US" dirty="0" smtClean="0">
+                <a:latin typeface="Calibri" panose="020F0502020204030204" pitchFamily="34" charset="0"/>
+              </a:rPr>
+              <a:t>JAEN</a:t>
+            </a:r>
+            <a:endParaRPr lang="en-US" dirty="0">
+              <a:latin typeface="Calibri" panose="020F0502020204030204" pitchFamily="34" charset="0"/>
+            </a:endParaRPr>
           </a:p>
         </p:txBody>
       </p:sp>
@@ -12379,8 +12338,8 @@
         </p:nvSpPr>
         <p:spPr>
           <a:xfrm>
-            <a:off x="2209800" y="2895600"/>
-            <a:ext cx="1295400" cy="646331"/>
+            <a:off x="2156118" y="2895600"/>
+            <a:ext cx="1349082" cy="646331"/>
           </a:xfrm>
           <a:prstGeom prst="rect">
             <a:avLst/>
@@ -12398,7 +12357,35 @@
                 <a:latin typeface="Calibri" panose="020F0502020204030204" pitchFamily="34" charset="0"/>
                 <a:cs typeface="Calibri" panose="020F0502020204030204" pitchFamily="34" charset="0"/>
               </a:rPr>
-              <a:t>Create PASN schema based on standard specs</a:t>
+              <a:t>Create </a:t>
+            </a:r>
+            <a:r>
+              <a:rPr lang="en-US" sz="1200" i="1" dirty="0" smtClean="0">
+                <a:latin typeface="Calibri" panose="020F0502020204030204" pitchFamily="34" charset="0"/>
+                <a:cs typeface="Calibri" panose="020F0502020204030204" pitchFamily="34" charset="0"/>
+              </a:rPr>
+              <a:t>abstract schema </a:t>
+            </a:r>
+            <a:r>
+              <a:rPr lang="en-US" sz="1200" i="1" dirty="0" smtClean="0">
+                <a:latin typeface="Calibri" panose="020F0502020204030204" pitchFamily="34" charset="0"/>
+                <a:cs typeface="Calibri" panose="020F0502020204030204" pitchFamily="34" charset="0"/>
+              </a:rPr>
+              <a:t>based </a:t>
+            </a:r>
+            <a:r>
+              <a:rPr lang="en-US" sz="1200" i="1" dirty="0" smtClean="0">
+                <a:latin typeface="Calibri" panose="020F0502020204030204" pitchFamily="34" charset="0"/>
+                <a:cs typeface="Calibri" panose="020F0502020204030204" pitchFamily="34" charset="0"/>
+              </a:rPr>
+              <a:t>on standard </a:t>
+            </a:r>
+            <a:r>
+              <a:rPr lang="en-US" sz="1200" i="1" dirty="0" smtClean="0">
+                <a:latin typeface="Calibri" panose="020F0502020204030204" pitchFamily="34" charset="0"/>
+                <a:cs typeface="Calibri" panose="020F0502020204030204" pitchFamily="34" charset="0"/>
+              </a:rPr>
+              <a:t>specs</a:t>
             </a:r>
             <a:endParaRPr lang="en-US" sz="1200" i="1" dirty="0">
               <a:latin typeface="Calibri" panose="020F0502020204030204" pitchFamily="34" charset="0"/>
@@ -14074,6 +14061,432 @@
           </a:fontRef>
         </p:style>
       </p:cxnSp>
+      <p:grpSp>
+        <p:nvGrpSpPr>
+          <p:cNvPr id="35" name="Group 34"/>
+          <p:cNvGrpSpPr/>
+          <p:nvPr/>
+        </p:nvGrpSpPr>
+        <p:grpSpPr>
+          <a:xfrm>
+            <a:off x="6573042" y="1676400"/>
+            <a:ext cx="1885158" cy="1550300"/>
+            <a:chOff x="838200" y="1650100"/>
+            <a:chExt cx="1885158" cy="1550300"/>
+          </a:xfrm>
+        </p:grpSpPr>
+        <p:sp>
+          <p:nvSpPr>
+            <p:cNvPr id="38" name="Folded Corner 37"/>
+            <p:cNvSpPr/>
+            <p:nvPr/>
+          </p:nvSpPr>
+          <p:spPr>
+            <a:xfrm rot="10800000">
+              <a:off x="857430" y="1650100"/>
+              <a:ext cx="1865928" cy="1550300"/>
+            </a:xfrm>
+            <a:prstGeom prst="foldedCorner">
+              <a:avLst>
+                <a:gd name="adj" fmla="val 9888"/>
+              </a:avLst>
+            </a:prstGeom>
+            <a:solidFill>
+              <a:schemeClr val="accent6">
+                <a:lumMod val="20000"/>
+                <a:lumOff val="80000"/>
+              </a:schemeClr>
+            </a:solidFill>
+            <a:ln w="12700"/>
+          </p:spPr>
+          <p:style>
+            <a:lnRef idx="2">
+              <a:schemeClr val="accent1">
+                <a:shade val="50000"/>
+              </a:schemeClr>
+            </a:lnRef>
+            <a:fillRef idx="1">
+              <a:schemeClr val="accent1"/>
+            </a:fillRef>
+            <a:effectRef idx="0">
+              <a:schemeClr val="accent1"/>
+            </a:effectRef>
+            <a:fontRef idx="minor">
+              <a:schemeClr val="lt1"/>
+            </a:fontRef>
+          </p:style>
+          <p:txBody>
+            <a:bodyPr rtlCol="0" anchor="ctr"/>
+            <a:lstStyle/>
+            <a:p>
+              <a:endParaRPr lang="en-US" sz="800" dirty="0">
+                <a:solidFill>
+                  <a:schemeClr val="tx1"/>
+                </a:solidFill>
+                <a:latin typeface="Consolas" panose="020B0609020204030204" pitchFamily="49" charset="0"/>
+                <a:cs typeface="Consolas" panose="020B0609020204030204" pitchFamily="49" charset="0"/>
+              </a:endParaRPr>
+            </a:p>
+          </p:txBody>
+        </p:sp>
+        <p:sp>
+          <p:nvSpPr>
+            <p:cNvPr id="39" name="TextBox 38"/>
+            <p:cNvSpPr txBox="1"/>
+            <p:nvPr/>
+          </p:nvSpPr>
+          <p:spPr>
+            <a:xfrm>
+              <a:off x="838200" y="1702700"/>
+              <a:ext cx="1862930" cy="1497700"/>
+            </a:xfrm>
+            <a:prstGeom prst="rect">
+              <a:avLst/>
+            </a:prstGeom>
+            <a:noFill/>
+            <a:ln w="12700">
+              <a:noFill/>
+            </a:ln>
+          </p:spPr>
+          <p:style>
+            <a:lnRef idx="2">
+              <a:schemeClr val="accent1">
+                <a:shade val="50000"/>
+              </a:schemeClr>
+            </a:lnRef>
+            <a:fillRef idx="1">
+              <a:schemeClr val="accent1"/>
+            </a:fillRef>
+            <a:effectRef idx="0">
+              <a:schemeClr val="accent1"/>
+            </a:effectRef>
+            <a:fontRef idx="minor">
+              <a:schemeClr val="lt1"/>
+            </a:fontRef>
+          </p:style>
+          <p:txBody>
+            <a:bodyPr rot="0" spcFirstLastPara="0" vertOverflow="overflow" horzOverflow="overflow" vert="horz" wrap="none" lIns="91440" tIns="45720" rIns="91440" bIns="45720" numCol="1" spcCol="0" rtlCol="0" fromWordArt="0" anchor="ctr" anchorCtr="0" forceAA="0" compatLnSpc="1">
+              <a:prstTxWarp prst="textNoShape">
+                <a:avLst/>
+              </a:prstTxWarp>
+              <a:noAutofit/>
+            </a:bodyPr>
+            <a:lstStyle>
+              <a:defPPr>
+                <a:defRPr lang="en-US"/>
+              </a:defPPr>
+              <a:lvl1pPr>
+                <a:defRPr sz="800">
+                  <a:latin typeface="Consolas" panose="020B0609020204030204" pitchFamily="49" charset="0"/>
+                  <a:cs typeface="Consolas" panose="020B0609020204030204" pitchFamily="49" charset="0"/>
+                </a:defRPr>
+              </a:lvl1pPr>
+              <a:lvl2pPr>
+                <a:defRPr>
+                  <a:solidFill>
+                    <a:schemeClr val="lt1"/>
+                  </a:solidFill>
+                </a:defRPr>
+              </a:lvl2pPr>
+              <a:lvl3pPr>
+                <a:defRPr>
+                  <a:solidFill>
+                    <a:schemeClr val="lt1"/>
+                  </a:solidFill>
+                </a:defRPr>
+              </a:lvl3pPr>
+              <a:lvl4pPr>
+                <a:defRPr>
+                  <a:solidFill>
+                    <a:schemeClr val="lt1"/>
+                  </a:solidFill>
+                </a:defRPr>
+              </a:lvl4pPr>
+              <a:lvl5pPr>
+                <a:defRPr>
+                  <a:solidFill>
+                    <a:schemeClr val="lt1"/>
+                  </a:solidFill>
+                </a:defRPr>
+              </a:lvl5pPr>
+              <a:lvl6pPr>
+                <a:defRPr>
+                  <a:solidFill>
+                    <a:schemeClr val="lt1"/>
+                  </a:solidFill>
+                </a:defRPr>
+              </a:lvl6pPr>
+              <a:lvl7pPr>
+                <a:defRPr>
+                  <a:solidFill>
+                    <a:schemeClr val="lt1"/>
+                  </a:solidFill>
+                </a:defRPr>
+              </a:lvl7pPr>
+              <a:lvl8pPr>
+                <a:defRPr>
+                  <a:solidFill>
+                    <a:schemeClr val="lt1"/>
+                  </a:solidFill>
+                </a:defRPr>
+              </a:lvl8pPr>
+              <a:lvl9pPr>
+                <a:defRPr>
+                  <a:solidFill>
+                    <a:schemeClr val="lt1"/>
+                  </a:solidFill>
+                </a:defRPr>
+              </a:lvl9pPr>
+            </a:lstStyle>
+            <a:p>
+              <a:r>
+                <a:rPr lang="en-US" sz="700" dirty="0">
+                  <a:solidFill>
+                    <a:schemeClr val="tx1"/>
+                  </a:solidFill>
+                </a:rPr>
+                <a:t>{</a:t>
+              </a:r>
+            </a:p>
+            <a:p>
+              <a:r>
+                <a:rPr lang="en-US" sz="700" dirty="0">
+                  <a:solidFill>
+                    <a:schemeClr val="tx1"/>
+                  </a:solidFill>
+                </a:rPr>
+                <a:t>  "meta": {</a:t>
+              </a:r>
+            </a:p>
+            <a:p>
+              <a:r>
+                <a:rPr lang="en-US" sz="700" dirty="0">
+                  <a:solidFill>
+                    <a:schemeClr val="tx1"/>
+                  </a:solidFill>
+                </a:rPr>
+                <a:t>    "module": "openc2"</a:t>
+              </a:r>
+            </a:p>
+            <a:p>
+              <a:r>
+                <a:rPr lang="en-US" sz="700" dirty="0">
+                  <a:solidFill>
+                    <a:schemeClr val="tx1"/>
+                  </a:solidFill>
+                </a:rPr>
+                <a:t>  },</a:t>
+              </a:r>
+            </a:p>
+            <a:p>
+              <a:r>
+                <a:rPr lang="en-US" sz="700" dirty="0">
+                  <a:solidFill>
+                    <a:schemeClr val="tx1"/>
+                  </a:solidFill>
+                </a:rPr>
+                <a:t>  "types": [</a:t>
+              </a:r>
+            </a:p>
+            <a:p>
+              <a:r>
+                <a:rPr lang="en-US" sz="700" dirty="0">
+                  <a:solidFill>
+                    <a:schemeClr val="tx1"/>
+                  </a:solidFill>
+                </a:rPr>
+                <a:t>    ["OpenC2Command", "Record", </a:t>
+              </a:r>
+              <a:r>
+                <a:rPr lang="en-US" sz="700" dirty="0" smtClean="0">
+                  <a:solidFill>
+                    <a:schemeClr val="tx1"/>
+                  </a:solidFill>
+                </a:rPr>
+                <a:t>[],</a:t>
+              </a:r>
+              <a:endParaRPr lang="en-US" sz="700" dirty="0">
+                <a:solidFill>
+                  <a:schemeClr val="tx1"/>
+                </a:solidFill>
+              </a:endParaRPr>
+            </a:p>
+            <a:p>
+              <a:r>
+                <a:rPr lang="en-US" sz="700" dirty="0">
+                  <a:solidFill>
+                    <a:schemeClr val="tx1"/>
+                  </a:solidFill>
+                </a:rPr>
+                <a:t>      [1, "action", "Action", </a:t>
+              </a:r>
+              <a:r>
+                <a:rPr lang="en-US" sz="700" dirty="0" smtClean="0">
+                  <a:solidFill>
+                    <a:schemeClr val="tx1"/>
+                  </a:solidFill>
+                </a:rPr>
+                <a:t>[],</a:t>
+              </a:r>
+              <a:endParaRPr lang="en-US" sz="700" dirty="0">
+                <a:solidFill>
+                  <a:schemeClr val="tx1"/>
+                </a:solidFill>
+              </a:endParaRPr>
+            </a:p>
+            <a:p>
+              <a:r>
+                <a:rPr lang="en-US" sz="700" dirty="0">
+                  <a:solidFill>
+                    <a:schemeClr val="tx1"/>
+                  </a:solidFill>
+                </a:rPr>
+                <a:t>      [2, "target", "Target", </a:t>
+              </a:r>
+              <a:r>
+                <a:rPr lang="en-US" sz="700" dirty="0" smtClean="0">
+                  <a:solidFill>
+                    <a:schemeClr val="tx1"/>
+                  </a:solidFill>
+                </a:rPr>
+                <a:t>[],</a:t>
+              </a:r>
+              <a:endParaRPr lang="en-US" sz="700" dirty="0">
+                <a:solidFill>
+                  <a:schemeClr val="tx1"/>
+                </a:solidFill>
+              </a:endParaRPr>
+            </a:p>
+            <a:p>
+              <a:r>
+                <a:rPr lang="en-US" sz="700" dirty="0">
+                  <a:solidFill>
+                    <a:schemeClr val="tx1"/>
+                  </a:solidFill>
+                </a:rPr>
+                <a:t>      [3, "actuator", "Actuator", </a:t>
+              </a:r>
+              <a:r>
+                <a:rPr lang="en-US" sz="700" dirty="0" smtClean="0">
+                  <a:solidFill>
+                    <a:schemeClr val="tx1"/>
+                  </a:solidFill>
+                </a:rPr>
+                <a:t>[</a:t>
+              </a:r>
+              <a:endParaRPr lang="en-US" sz="700" dirty="0">
+                <a:solidFill>
+                  <a:schemeClr val="tx1"/>
+                </a:solidFill>
+              </a:endParaRPr>
+            </a:p>
+            <a:p>
+              <a:r>
+                <a:rPr lang="en-US" sz="700" dirty="0">
+                  <a:solidFill>
+                    <a:schemeClr val="tx1"/>
+                  </a:solidFill>
+                </a:rPr>
+                <a:t>      [4, "modifiers", "Modifiers</a:t>
+              </a:r>
+              <a:r>
+                <a:rPr lang="en-US" sz="700" dirty="0" smtClean="0">
+                  <a:solidFill>
+                    <a:schemeClr val="tx1"/>
+                  </a:solidFill>
+                </a:rPr>
+                <a:t>",</a:t>
+              </a:r>
+              <a:endParaRPr lang="en-US" sz="700" dirty="0">
+                <a:solidFill>
+                  <a:schemeClr val="tx1"/>
+                </a:solidFill>
+              </a:endParaRPr>
+            </a:p>
+            <a:p>
+              <a:r>
+                <a:rPr lang="en-US" sz="700" dirty="0">
+                  <a:solidFill>
+                    <a:schemeClr val="tx1"/>
+                  </a:solidFill>
+                </a:rPr>
+                <a:t>    ]]</a:t>
+              </a:r>
+            </a:p>
+            <a:p>
+              <a:r>
+                <a:rPr lang="en-US" sz="700" dirty="0">
+                  <a:solidFill>
+                    <a:schemeClr val="tx1"/>
+                  </a:solidFill>
+                </a:rPr>
+                <a:t>  ]</a:t>
+              </a:r>
+            </a:p>
+            <a:p>
+              <a:r>
+                <a:rPr lang="en-US" sz="700" dirty="0">
+                  <a:solidFill>
+                    <a:schemeClr val="tx1"/>
+                  </a:solidFill>
+                </a:rPr>
+                <a:t>}</a:t>
+              </a:r>
+            </a:p>
+          </p:txBody>
+        </p:sp>
+      </p:grpSp>
+      <p:sp>
+        <p:nvSpPr>
+          <p:cNvPr id="40" name="Right Arrow 39"/>
+          <p:cNvSpPr/>
+          <p:nvPr/>
+        </p:nvSpPr>
+        <p:spPr>
+          <a:xfrm>
+            <a:off x="3302738" y="2057400"/>
+            <a:ext cx="3250462" cy="145313"/>
+          </a:xfrm>
+          <a:prstGeom prst="rightArrow">
+            <a:avLst/>
+          </a:prstGeom>
+          <a:solidFill>
+            <a:schemeClr val="accent3">
+              <a:lumMod val="60000"/>
+              <a:lumOff val="40000"/>
+            </a:schemeClr>
+          </a:solidFill>
+          <a:ln>
+            <a:solidFill>
+              <a:schemeClr val="accent3"/>
+            </a:solidFill>
+          </a:ln>
+        </p:spPr>
+        <p:style>
+          <a:lnRef idx="2">
+            <a:schemeClr val="accent1">
+              <a:shade val="50000"/>
+            </a:schemeClr>
+          </a:lnRef>
+          <a:fillRef idx="1">
+            <a:schemeClr val="accent1"/>
+          </a:fillRef>
+          <a:effectRef idx="0">
+            <a:schemeClr val="accent1"/>
+          </a:effectRef>
+          <a:fontRef idx="minor">
+            <a:schemeClr val="lt1"/>
+          </a:fontRef>
+        </p:style>
+        <p:txBody>
+          <a:bodyPr rtlCol="0" anchor="ctr"/>
+          <a:lstStyle/>
+          <a:p>
+            <a:pPr algn="ctr"/>
+            <a:endParaRPr lang="en-US"/>
+          </a:p>
+        </p:txBody>
+      </p:sp>
     </p:spTree>
     <p:extLst>
       <p:ext uri="{BB962C8B-B14F-4D97-AF65-F5344CB8AC3E}">
@@ -15033,13 +15446,6 @@
               </a:rPr>
               <a:t>}</a:t>
             </a:r>
-            <a:endParaRPr lang="en-US" sz="900" dirty="0">
-              <a:solidFill>
-                <a:schemeClr val="tx1"/>
-              </a:solidFill>
-              <a:latin typeface="Consolas" panose="020B0609020204030204" pitchFamily="49" charset="0"/>
-              <a:cs typeface="Consolas" panose="020B0609020204030204" pitchFamily="49" charset="0"/>
-            </a:endParaRPr>
           </a:p>
         </p:txBody>
       </p:sp>
@@ -15828,11 +16234,7 @@
             </a:r>
             <a:r>
               <a:rPr lang="en-US" dirty="0" smtClean="0"/>
-              <a:t>essage templates can </a:t>
-            </a:r>
-            <a:r>
-              <a:rPr lang="en-US" dirty="0" smtClean="0"/>
-              <a:t>ease application integration</a:t>
+              <a:t>essage templates can ease application integration</a:t>
             </a:r>
           </a:p>
           <a:p>
@@ -16036,7 +16438,15 @@
             <a:pPr lvl="2"/>
             <a:r>
               <a:rPr lang="en-US" dirty="0"/>
-              <a:t>Need JASN-based decoder</a:t>
+              <a:t>Need </a:t>
+            </a:r>
+            <a:r>
+              <a:rPr lang="en-US" dirty="0" smtClean="0"/>
+              <a:t>JAEN-based </a:t>
+            </a:r>
+            <a:r>
+              <a:rPr lang="en-US" dirty="0"/>
+              <a:t>decoder</a:t>
             </a:r>
           </a:p>
           <a:p>
@@ -16050,7 +16460,15 @@
             <a:pPr lvl="2"/>
             <a:r>
               <a:rPr lang="en-US" dirty="0"/>
-              <a:t>Need CybOX 3 JASN definitions</a:t>
+              <a:t>Need CybOX 3 </a:t>
+            </a:r>
+            <a:r>
+              <a:rPr lang="en-US" dirty="0" smtClean="0"/>
+              <a:t>JAEN </a:t>
+            </a:r>
+            <a:r>
+              <a:rPr lang="en-US" dirty="0"/>
+              <a:t>definitions</a:t>
             </a:r>
           </a:p>
           <a:p>
